--- a/Presentation/404.pptx
+++ b/Presentation/404.pptx
@@ -4951,9 +4951,9 @@
           <a:p>
             <a:pPr algn="ctr"/>
             <a:r>
-              <a:rPr lang="ru-RU" sz="1400" dirty="0">
+              <a:rPr lang="en-US" sz="2000" dirty="0" err="1">
                 <a:solidFill>
-                  <a:srgbClr val="FFFFFF"/>
+                  <a:schemeClr val="bg1"/>
                 </a:solidFill>
                 <a:latin typeface="Arial Black" panose="020B0A04020102020204" pitchFamily="34" charset="0"/>
                 <a:hlinkClick r:id="rId15">
@@ -4964,11 +4964,27 @@
                   </a:extLst>
                 </a:hlinkClick>
               </a:rPr>
-              <a:t>176.123.165.18:5027</a:t>
+              <a:t>Vite</a:t>
             </a:r>
-            <a:endParaRPr lang="ru-RU" sz="1600" dirty="0">
+            <a:r>
+              <a:rPr lang="en-US" sz="2000" dirty="0">
+                <a:solidFill>
+                  <a:schemeClr val="bg1"/>
+                </a:solidFill>
+                <a:latin typeface="Arial Black" panose="020B0A04020102020204" pitchFamily="34" charset="0"/>
+                <a:hlinkClick r:id="rId15">
+                  <a:extLst>
+                    <a:ext uri="{A12FA001-AC4F-418D-AE19-62706E023703}">
+                      <ahyp:hlinkClr xmlns:ahyp="http://schemas.microsoft.com/office/drawing/2018/hyperlinkcolor" val="tx"/>
+                    </a:ext>
+                  </a:extLst>
+                </a:hlinkClick>
+              </a:rPr>
+              <a:t> App</a:t>
+            </a:r>
+            <a:endParaRPr lang="ru-RU" sz="2000" dirty="0">
               <a:solidFill>
-                <a:srgbClr val="FFFFFF"/>
+                <a:schemeClr val="bg1"/>
               </a:solidFill>
               <a:latin typeface="Arial Black" panose="020B0A04020102020204" pitchFamily="34" charset="0"/>
             </a:endParaRPr>
@@ -6623,9 +6639,9 @@
           <a:p>
             <a:pPr algn="ctr"/>
             <a:r>
-              <a:rPr lang="ru-RU" sz="1400" dirty="0">
+              <a:rPr lang="en-US" sz="1400" dirty="0" err="1">
                 <a:solidFill>
-                  <a:srgbClr val="FFFFFF"/>
+                  <a:schemeClr val="bg1"/>
                 </a:solidFill>
                 <a:latin typeface="Arial Black" panose="020B0A04020102020204" pitchFamily="34" charset="0"/>
                 <a:hlinkClick r:id="rId15">
@@ -6636,11 +6652,27 @@
                   </a:extLst>
                 </a:hlinkClick>
               </a:rPr>
-              <a:t>176.123.165.18:5027</a:t>
+              <a:t>Vite</a:t>
             </a:r>
-            <a:endParaRPr lang="ru-RU" sz="1600" dirty="0">
+            <a:r>
+              <a:rPr lang="en-US" sz="1400" dirty="0">
+                <a:solidFill>
+                  <a:schemeClr val="bg1"/>
+                </a:solidFill>
+                <a:latin typeface="Arial Black" panose="020B0A04020102020204" pitchFamily="34" charset="0"/>
+                <a:hlinkClick r:id="rId15">
+                  <a:extLst>
+                    <a:ext uri="{A12FA001-AC4F-418D-AE19-62706E023703}">
+                      <ahyp:hlinkClr xmlns:ahyp="http://schemas.microsoft.com/office/drawing/2018/hyperlinkcolor" val="tx"/>
+                    </a:ext>
+                  </a:extLst>
+                </a:hlinkClick>
+              </a:rPr>
+              <a:t> App</a:t>
+            </a:r>
+            <a:endParaRPr lang="ru-RU" sz="1400" dirty="0">
               <a:solidFill>
-                <a:srgbClr val="FFFFFF"/>
+                <a:schemeClr val="bg1"/>
               </a:solidFill>
               <a:latin typeface="Arial Black" panose="020B0A04020102020204" pitchFamily="34" charset="0"/>
             </a:endParaRPr>
@@ -8003,13 +8035,13 @@
   <p:clrMapOvr>
     <a:masterClrMapping/>
   </p:clrMapOvr>
-  <mc:AlternateContent xmlns:mc="http://schemas.openxmlformats.org/markup-compatibility/2006">
-    <mc:Choice xmlns:p159="http://schemas.microsoft.com/office/powerpoint/2015/09/main" Requires="p159">
+  <mc:AlternateContent xmlns:mc="http://schemas.openxmlformats.org/markup-compatibility/2006" xmlns:p159="http://schemas.microsoft.com/office/powerpoint/2015/09/main">
+    <mc:Choice Requires="p159">
       <p:transition spd="slow" advTm="0">
         <p159:morph option="byObject"/>
       </p:transition>
     </mc:Choice>
-    <mc:Fallback>
+    <mc:Fallback xmlns="">
       <p:transition spd="slow" advTm="0">
         <p:fade/>
       </p:transition>
@@ -9975,13 +10007,13 @@
   <p:clrMapOvr>
     <a:masterClrMapping/>
   </p:clrMapOvr>
-  <mc:AlternateContent xmlns:mc="http://schemas.openxmlformats.org/markup-compatibility/2006">
-    <mc:Choice xmlns:p159="http://schemas.microsoft.com/office/powerpoint/2015/09/main" Requires="p159">
+  <mc:AlternateContent xmlns:mc="http://schemas.openxmlformats.org/markup-compatibility/2006" xmlns:p159="http://schemas.microsoft.com/office/powerpoint/2015/09/main">
+    <mc:Choice Requires="p159">
       <p:transition spd="slow">
         <p159:morph option="byObject"/>
       </p:transition>
     </mc:Choice>
-    <mc:Fallback>
+    <mc:Fallback xmlns="">
       <p:transition spd="slow">
         <p:fade/>
       </p:transition>
@@ -11810,13 +11842,10 @@
               <a:rPr lang="en-US" dirty="0"/>
               <a:t>:</a:t>
             </a:r>
-            <a:endParaRPr lang="ru-RU" dirty="0"/>
-          </a:p>
-          <a:p>
             <a:r>
-              <a:rPr lang="ru-RU" sz="2400" dirty="0">
+              <a:rPr lang="en-US" sz="2400" dirty="0" err="1">
                 <a:solidFill>
-                  <a:srgbClr val="FFFFFF"/>
+                  <a:schemeClr val="bg1"/>
                 </a:solidFill>
                 <a:latin typeface="Arial Black" panose="020B0A04020102020204" pitchFamily="34" charset="0"/>
                 <a:hlinkClick r:id="rId13">
@@ -11827,18 +11856,30 @@
                   </a:extLst>
                 </a:hlinkClick>
               </a:rPr>
-              <a:t>176.123.165.18:5027</a:t>
+              <a:t>Vite</a:t>
             </a:r>
-            <a:endParaRPr lang="ru-RU" sz="2400" b="0" i="0" dirty="0">
+            <a:r>
+              <a:rPr lang="en-US" sz="2400" dirty="0">
+                <a:solidFill>
+                  <a:schemeClr val="bg1"/>
+                </a:solidFill>
+                <a:latin typeface="Arial Black" panose="020B0A04020102020204" pitchFamily="34" charset="0"/>
+                <a:hlinkClick r:id="rId13">
+                  <a:extLst>
+                    <a:ext uri="{A12FA001-AC4F-418D-AE19-62706E023703}">
+                      <ahyp:hlinkClr xmlns:ahyp="http://schemas.microsoft.com/office/drawing/2018/hyperlinkcolor" val="tx"/>
+                    </a:ext>
+                  </a:extLst>
+                </a:hlinkClick>
+              </a:rPr>
+              <a:t> App</a:t>
+            </a:r>
+            <a:endParaRPr lang="ru-RU" sz="2400" dirty="0">
               <a:solidFill>
-                <a:srgbClr val="33475B"/>
+                <a:schemeClr val="bg1"/>
               </a:solidFill>
-              <a:effectLst/>
-              <a:latin typeface="-apple-system"/>
+              <a:latin typeface="Arial Black" panose="020B0A04020102020204" pitchFamily="34" charset="0"/>
             </a:endParaRPr>
-          </a:p>
-          <a:p>
-            <a:endParaRPr lang="en-US" dirty="0"/>
           </a:p>
           <a:p>
             <a:endParaRPr lang="en-US" dirty="0"/>
@@ -11948,13 +11989,13 @@
   <p:clrMapOvr>
     <a:masterClrMapping/>
   </p:clrMapOvr>
-  <mc:AlternateContent xmlns:mc="http://schemas.openxmlformats.org/markup-compatibility/2006">
-    <mc:Choice xmlns:p159="http://schemas.microsoft.com/office/powerpoint/2015/09/main" Requires="p159">
+  <mc:AlternateContent xmlns:mc="http://schemas.openxmlformats.org/markup-compatibility/2006" xmlns:p159="http://schemas.microsoft.com/office/powerpoint/2015/09/main">
+    <mc:Choice Requires="p159">
       <p:transition spd="slow">
         <p159:morph option="byObject"/>
       </p:transition>
     </mc:Choice>
-    <mc:Fallback>
+    <mc:Fallback xmlns="">
       <p:transition spd="slow">
         <p:fade/>
       </p:transition>
@@ -12727,13 +12768,13 @@
   <p:clrMapOvr>
     <a:masterClrMapping/>
   </p:clrMapOvr>
-  <mc:AlternateContent xmlns:mc="http://schemas.openxmlformats.org/markup-compatibility/2006">
-    <mc:Choice xmlns:p159="http://schemas.microsoft.com/office/powerpoint/2015/09/main" Requires="p159">
+  <mc:AlternateContent xmlns:mc="http://schemas.openxmlformats.org/markup-compatibility/2006" xmlns:p159="http://schemas.microsoft.com/office/powerpoint/2015/09/main">
+    <mc:Choice Requires="p159">
       <p:transition spd="slow">
         <p159:morph option="byObject"/>
       </p:transition>
     </mc:Choice>
-    <mc:Fallback>
+    <mc:Fallback xmlns="">
       <p:transition spd="slow">
         <p:fade/>
       </p:transition>
